--- a/doc_source/Poster.pptx
+++ b/doc_source/Poster.pptx
@@ -932,6 +932,191 @@
       </p:grpSpPr>
       <p:sp>
         <p:nvSpPr>
+          <p:cNvPr id="9" name="Textfeld 8"/>
+          <p:cNvSpPr txBox="1"/>
+          <p:nvPr/>
+        </p:nvSpPr>
+        <p:spPr>
+          <a:xfrm>
+            <a:off x="898776" y="875400"/>
+            <a:ext cx="8845847" cy="16312158"/>
+          </a:xfrm>
+          <a:prstGeom prst="rect">
+            <a:avLst/>
+          </a:prstGeom>
+          <a:noFill/>
+        </p:spPr>
+        <p:txBody>
+          <a:bodyPr wrap="square" rtlCol="0">
+            <a:spAutoFit/>
+          </a:bodyPr>
+          <a:lstStyle>
+            <a:defPPr>
+              <a:defRPr lang="de-DE"/>
+            </a:defPPr>
+            <a:lvl1pPr algn="just">
+              <a:buClr>
+                <a:srgbClr val="FAA500"/>
+              </a:buClr>
+              <a:buSzPct val="80000"/>
+              <a:defRPr sz="4400">
+                <a:solidFill>
+                  <a:srgbClr val="697D91"/>
+                </a:solidFill>
+                <a:latin typeface="+mj-lt"/>
+              </a:defRPr>
+            </a:lvl1pPr>
+          </a:lstStyle>
+          <a:p>
+            <a:pPr>
+              <a:spcAft>
+                <a:spcPts val="600"/>
+              </a:spcAft>
+            </a:pPr>
+            <a:r>
+              <a:rPr lang="de-CH" altLang="de-DE" dirty="0"/>
+              <a:t>Spielend zum Snooker-Profi</a:t>
+            </a:r>
+          </a:p>
+          <a:p>
+            <a:pPr>
+              <a:spcAft>
+                <a:spcPts val="600"/>
+              </a:spcAft>
+            </a:pPr>
+            <a:r>
+              <a:rPr lang="de-CH" altLang="de-DE" sz="3200" dirty="0">
+                <a:solidFill>
+                  <a:schemeClr val="tx1"/>
+                </a:solidFill>
+                <a:latin typeface="Lucida Sans" pitchFamily="34" charset="0"/>
+              </a:rPr>
+              <a:t>Billard ist eine Sportart, die ein gewisses Verständnis von Physik, strategisches Denken und eine ruhige Hand erfordert. Für Anfänger ist es schwierig, in einer Spielsituation geeignete Stösse zu finden, den passenden auszuwählen und korrekt auszuführen.</a:t>
+            </a:r>
+          </a:p>
+          <a:p>
+            <a:pPr>
+              <a:spcAft>
+                <a:spcPts val="600"/>
+              </a:spcAft>
+            </a:pPr>
+            <a:r>
+              <a:rPr lang="de-CH" altLang="de-DE" sz="3200" dirty="0">
+                <a:solidFill>
+                  <a:schemeClr val="tx1"/>
+                </a:solidFill>
+                <a:latin typeface="Lucida Sans" pitchFamily="34" charset="0"/>
+              </a:rPr>
+              <a:t>Billiard-AI unterstützt den Spieler dabei.</a:t>
+            </a:r>
+          </a:p>
+          <a:p>
+            <a:pPr>
+              <a:spcAft>
+                <a:spcPts val="600"/>
+              </a:spcAft>
+            </a:pPr>
+            <a:endParaRPr lang="de-CH" altLang="de-DE" sz="3200" dirty="0">
+              <a:solidFill>
+                <a:schemeClr val="tx1"/>
+              </a:solidFill>
+              <a:latin typeface="Lucida Sans" pitchFamily="34" charset="0"/>
+            </a:endParaRPr>
+          </a:p>
+          <a:p>
+            <a:pPr>
+              <a:spcAft>
+                <a:spcPts val="600"/>
+              </a:spcAft>
+            </a:pPr>
+            <a:r>
+              <a:rPr lang="de-CH" altLang="de-DE" sz="3200" dirty="0">
+                <a:solidFill>
+                  <a:schemeClr val="tx1"/>
+                </a:solidFill>
+                <a:latin typeface="Lucida Sans" pitchFamily="34" charset="0"/>
+              </a:rPr>
+              <a:t>Beim Billard muss sich der Spieler mögliche Stösse vorstellen und die Stärke und den Winkel, mit dem die weisse Kugel angestossen werden soll, abschätzen. Was nach dem Stoss passiert, muss sich der Spieler aufgrund seiner Erfahrung im Spiel vorstellen.</a:t>
+            </a:r>
+          </a:p>
+          <a:p>
+            <a:pPr>
+              <a:spcAft>
+                <a:spcPts val="600"/>
+              </a:spcAft>
+            </a:pPr>
+            <a:endParaRPr lang="de-CH" altLang="de-DE" sz="3200" dirty="0">
+              <a:solidFill>
+                <a:schemeClr val="tx1"/>
+              </a:solidFill>
+              <a:latin typeface="Lucida Sans" pitchFamily="34" charset="0"/>
+            </a:endParaRPr>
+          </a:p>
+          <a:p>
+            <a:pPr>
+              <a:spcAft>
+                <a:spcPts val="600"/>
+              </a:spcAft>
+            </a:pPr>
+            <a:r>
+              <a:rPr lang="de-CH" altLang="de-DE" sz="3200" dirty="0">
+                <a:solidFill>
+                  <a:schemeClr val="tx1"/>
+                </a:solidFill>
+                <a:latin typeface="Lucida Sans" pitchFamily="34" charset="0"/>
+              </a:rPr>
+              <a:t>Eine Kamera über dem Billardtisch nimmt kontinuierlich Bilder auf und unsere Software erkennt die Position und Farbe aller Kugeln in Echtzeit.</a:t>
+            </a:r>
+          </a:p>
+          <a:p>
+            <a:pPr>
+              <a:spcAft>
+                <a:spcPts val="600"/>
+              </a:spcAft>
+            </a:pPr>
+            <a:r>
+              <a:rPr lang="de-CH" altLang="de-DE" sz="3200" dirty="0">
+                <a:solidFill>
+                  <a:schemeClr val="tx1"/>
+                </a:solidFill>
+                <a:latin typeface="Lucida Sans" pitchFamily="34" charset="0"/>
+              </a:rPr>
+              <a:t>Über einen Projektor werden dem Spieler die Kugelpositionen und Hilfestellungen zu Billardstössen direkt auf dem Tisch eingeblendet.</a:t>
+            </a:r>
+          </a:p>
+          <a:p>
+            <a:pPr>
+              <a:spcAft>
+                <a:spcPts val="600"/>
+              </a:spcAft>
+            </a:pPr>
+            <a:endParaRPr lang="de-CH" altLang="de-DE" sz="3200" dirty="0">
+              <a:solidFill>
+                <a:schemeClr val="tx1"/>
+              </a:solidFill>
+              <a:latin typeface="Lucida Sans" pitchFamily="34" charset="0"/>
+            </a:endParaRPr>
+          </a:p>
+          <a:p>
+            <a:pPr>
+              <a:spcAft>
+                <a:spcPts val="600"/>
+              </a:spcAft>
+            </a:pPr>
+            <a:r>
+              <a:rPr lang="de-CH" altLang="de-DE" sz="3200" dirty="0">
+                <a:solidFill>
+                  <a:schemeClr val="tx1"/>
+                </a:solidFill>
+                <a:latin typeface="Lucida Sans" pitchFamily="34" charset="0"/>
+              </a:rPr>
+              <a:t>Durch Analyse der Spielsituation werden mögliche Stösse gefunden und deren Schwierigkeit wird bewertet. </a:t>
+            </a:r>
+          </a:p>
+        </p:txBody>
+      </p:sp>
+      <p:sp>
+        <p:nvSpPr>
           <p:cNvPr id="2" name="Textfeld 1" descr="Bitte möglichst die vorgegebene Breite einhalten! Sollte dieser Platz nicht reichen, kann im oberen Teil ein zusätzlicher längerer Titel verwendet werden." title="Titelfeld"/>
           <p:cNvSpPr txBox="1"/>
           <p:nvPr/>
@@ -1556,201 +1741,6 @@
           </a:p>
         </p:txBody>
       </p:sp>
-      <p:pic>
-        <p:nvPicPr>
-          <p:cNvPr id="8" name="Picture 3"/>
-          <p:cNvPicPr>
-            <a:picLocks noChangeAspect="1" noChangeArrowheads="1"/>
-          </p:cNvPicPr>
-          <p:nvPr/>
-        </p:nvPicPr>
-        <p:blipFill>
-          <a:blip r:embed="rId2" cstate="print"/>
-          <a:srcRect t="9578"/>
-          <a:stretch>
-            <a:fillRect/>
-          </a:stretch>
-        </p:blipFill>
-        <p:spPr bwMode="auto">
-          <a:xfrm>
-            <a:off x="898776" y="8755065"/>
-            <a:ext cx="8845847" cy="5997965"/>
-          </a:xfrm>
-          <a:prstGeom prst="rect">
-            <a:avLst/>
-          </a:prstGeom>
-          <a:noFill/>
-          <a:ln w="9525">
-            <a:noFill/>
-            <a:miter lim="800000"/>
-            <a:headEnd/>
-            <a:tailEnd/>
-          </a:ln>
-        </p:spPr>
-      </p:pic>
-      <p:sp>
-        <p:nvSpPr>
-          <p:cNvPr id="9" name="Textfeld 8"/>
-          <p:cNvSpPr txBox="1"/>
-          <p:nvPr/>
-        </p:nvSpPr>
-        <p:spPr>
-          <a:xfrm>
-            <a:off x="898776" y="875400"/>
-            <a:ext cx="8845847" cy="7740581"/>
-          </a:xfrm>
-          <a:prstGeom prst="rect">
-            <a:avLst/>
-          </a:prstGeom>
-          <a:noFill/>
-        </p:spPr>
-        <p:txBody>
-          <a:bodyPr wrap="square" rtlCol="0">
-            <a:spAutoFit/>
-          </a:bodyPr>
-          <a:lstStyle>
-            <a:defPPr>
-              <a:defRPr lang="de-DE"/>
-            </a:defPPr>
-            <a:lvl1pPr algn="just">
-              <a:buClr>
-                <a:srgbClr val="FAA500"/>
-              </a:buClr>
-              <a:buSzPct val="80000"/>
-              <a:defRPr sz="4400">
-                <a:solidFill>
-                  <a:srgbClr val="697D91"/>
-                </a:solidFill>
-                <a:latin typeface="+mj-lt"/>
-              </a:defRPr>
-            </a:lvl1pPr>
-          </a:lstStyle>
-          <a:p>
-            <a:pPr>
-              <a:spcAft>
-                <a:spcPts val="600"/>
-              </a:spcAft>
-            </a:pPr>
-            <a:r>
-              <a:rPr lang="de-CH" altLang="de-DE" dirty="0"/>
-              <a:t>Zusammenfassung</a:t>
-            </a:r>
-          </a:p>
-          <a:p>
-            <a:pPr>
-              <a:defRPr/>
-            </a:pPr>
-            <a:r>
-              <a:rPr lang="de-CH" altLang="de-DE" sz="3200" b="1" dirty="0">
-                <a:solidFill>
-                  <a:srgbClr val="660066"/>
-                </a:solidFill>
-                <a:latin typeface="Lucida Sans" pitchFamily="34" charset="0"/>
-              </a:rPr>
-              <a:t>P</a:t>
-            </a:r>
-            <a:r>
-              <a:rPr lang="de-CH" altLang="de-DE" sz="3200" dirty="0">
-                <a:solidFill>
-                  <a:schemeClr val="tx1"/>
-                </a:solidFill>
-                <a:latin typeface="Lucida Sans" pitchFamily="34" charset="0"/>
-              </a:rPr>
-              <a:t>ositronen-</a:t>
-            </a:r>
-            <a:r>
-              <a:rPr lang="de-CH" altLang="de-DE" sz="3200" b="1" dirty="0">
-                <a:solidFill>
-                  <a:srgbClr val="660066"/>
-                </a:solidFill>
-                <a:latin typeface="Lucida Sans" pitchFamily="34" charset="0"/>
-              </a:rPr>
-              <a:t>E</a:t>
-            </a:r>
-            <a:r>
-              <a:rPr lang="de-CH" altLang="de-DE" sz="3200" dirty="0">
-                <a:solidFill>
-                  <a:schemeClr val="tx1"/>
-                </a:solidFill>
-                <a:latin typeface="Lucida Sans" pitchFamily="34" charset="0"/>
-              </a:rPr>
-              <a:t>missions-</a:t>
-            </a:r>
-            <a:r>
-              <a:rPr lang="de-CH" altLang="de-DE" sz="3200" b="1" dirty="0">
-                <a:solidFill>
-                  <a:srgbClr val="660066"/>
-                </a:solidFill>
-                <a:latin typeface="Lucida Sans" pitchFamily="34" charset="0"/>
-              </a:rPr>
-              <a:t>T</a:t>
-            </a:r>
-            <a:r>
-              <a:rPr lang="de-CH" altLang="de-DE" sz="3200" dirty="0">
-                <a:solidFill>
-                  <a:schemeClr val="tx1"/>
-                </a:solidFill>
-                <a:latin typeface="Lucida Sans" pitchFamily="34" charset="0"/>
-              </a:rPr>
-              <a:t>omographie in Kombination mit </a:t>
-            </a:r>
-            <a:r>
-              <a:rPr lang="de-CH" altLang="de-DE" sz="3200" b="1" dirty="0">
-                <a:solidFill>
-                  <a:srgbClr val="660066"/>
-                </a:solidFill>
-                <a:latin typeface="Lucida Sans" pitchFamily="34" charset="0"/>
-              </a:rPr>
-              <a:t>C</a:t>
-            </a:r>
-            <a:r>
-              <a:rPr lang="de-CH" altLang="de-DE" sz="3200" dirty="0">
-                <a:solidFill>
-                  <a:schemeClr val="tx1"/>
-                </a:solidFill>
-                <a:latin typeface="Lucida Sans" pitchFamily="34" charset="0"/>
-              </a:rPr>
-              <a:t>omputer-</a:t>
-            </a:r>
-            <a:r>
-              <a:rPr lang="de-CH" altLang="de-DE" sz="3200" b="1" dirty="0">
-                <a:solidFill>
-                  <a:srgbClr val="660066"/>
-                </a:solidFill>
-                <a:latin typeface="Lucida Sans" pitchFamily="34" charset="0"/>
-              </a:rPr>
-              <a:t>T</a:t>
-            </a:r>
-            <a:r>
-              <a:rPr lang="de-CH" altLang="de-DE" sz="3200" dirty="0">
-                <a:solidFill>
-                  <a:schemeClr val="tx1"/>
-                </a:solidFill>
-                <a:latin typeface="Lucida Sans" pitchFamily="34" charset="0"/>
-              </a:rPr>
-              <a:t>omographie (PET/CT) ist ein bildgebendes Verfahren der Nuklearmedizin und wird u.a. für die Diagnose von Krebserkrankungen </a:t>
-            </a:r>
-            <a:r>
-              <a:rPr lang="de-CH" altLang="de-DE" sz="3200" dirty="0" err="1">
-                <a:solidFill>
-                  <a:schemeClr val="tx1"/>
-                </a:solidFill>
-                <a:latin typeface="Lucida Sans" pitchFamily="34" charset="0"/>
-              </a:rPr>
-              <a:t>einge</a:t>
-            </a:r>
-            <a:r>
-              <a:rPr lang="de-CH" altLang="de-DE" sz="3200" dirty="0">
-                <a:solidFill>
-                  <a:schemeClr val="tx1"/>
-                </a:solidFill>
-                <a:latin typeface="Lucida Sans" pitchFamily="34" charset="0"/>
-              </a:rPr>
-              <a:t>-setzt. Mit steigender Leistungsfähigkeit sowohl der Tomo-graphen als auch der bildverarbeitenden Systeme stehen pro Unter-suchung zunehmend mehr und genauere Daten zur Verfügung. Diese Bachelor-Thesis soll zeigen, wie das diagnostische Potenzial moderner PET/CT-Systeme in Zukunft besser genutzt werden kann.</a:t>
-            </a:r>
-          </a:p>
-        </p:txBody>
-      </p:sp>
       <p:sp>
         <p:nvSpPr>
           <p:cNvPr id="10" name="Textfeld 9"/>
@@ -1759,8 +1749,8 @@
         </p:nvSpPr>
         <p:spPr>
           <a:xfrm>
-            <a:off x="20356484" y="854032"/>
-            <a:ext cx="8845847" cy="6186309"/>
+            <a:off x="20356484" y="1650825"/>
+            <a:ext cx="8845847" cy="9417963"/>
           </a:xfrm>
           <a:prstGeom prst="rect">
             <a:avLst/>
@@ -1777,50 +1767,15 @@
               <a:spcAft>
                 <a:spcPts val="600"/>
               </a:spcAft>
-              <a:buClr>
-                <a:srgbClr val="FAA500"/>
-              </a:buClr>
-              <a:buSzPct val="80000"/>
-              <a:defRPr/>
-            </a:pPr>
-            <a:r>
-              <a:rPr lang="de-CH" altLang="de-DE" sz="4400" dirty="0">
-                <a:solidFill>
-                  <a:srgbClr val="697D91"/>
-                </a:solidFill>
-                <a:latin typeface="+mj-lt"/>
-              </a:rPr>
-              <a:t>Ziele</a:t>
-            </a:r>
-          </a:p>
-          <a:p>
-            <a:pPr algn="just">
-              <a:spcAft>
-                <a:spcPts val="1200"/>
-              </a:spcAft>
-              <a:buClr>
-                <a:srgbClr val="FAA500"/>
-              </a:buClr>
-              <a:buSzPct val="80000"/>
-              <a:defRPr/>
             </a:pPr>
             <a:r>
               <a:rPr lang="de-CH" altLang="de-DE" sz="3200" dirty="0">
+                <a:solidFill>
+                  <a:schemeClr val="tx1"/>
+                </a:solidFill>
                 <a:latin typeface="Lucida Sans" pitchFamily="34" charset="0"/>
               </a:rPr>
-              <a:t>Das Ziel dieser Bachelor Thesis war es, zu prüfen, ob der zeitliche Verlauf der Anreicherung helfen kann, um </a:t>
-            </a:r>
-            <a:r>
-              <a:rPr lang="de-CH" altLang="de-DE" sz="3200" dirty="0" err="1">
-                <a:latin typeface="Lucida Sans" pitchFamily="34" charset="0"/>
-              </a:rPr>
-              <a:t>ver-schiedene</a:t>
-            </a:r>
-            <a:r>
-              <a:rPr lang="de-CH" altLang="de-DE" sz="3200" dirty="0">
-                <a:latin typeface="Lucida Sans" pitchFamily="34" charset="0"/>
-              </a:rPr>
-              <a:t> Gewebearten zu unterscheiden. Die Resultate sollten schlussendlich in einer geeigneten Form dargestellt werden.</a:t>
+              <a:t>Ein Spiel wird mithilfe der Simulation über mehrere Stösse geplant und dem Spieler wird eine Abfolge von Stössen präsentiert.</a:t>
             </a:r>
           </a:p>
           <a:p>
@@ -1828,36 +1783,107 @@
               <a:spcAft>
                 <a:spcPts val="600"/>
               </a:spcAft>
-              <a:buClr>
-                <a:srgbClr val="FAA500"/>
-              </a:buClr>
-              <a:buSzPct val="80000"/>
-              <a:defRPr/>
             </a:pPr>
             <a:r>
-              <a:rPr lang="de-CH" sz="4400" dirty="0">
+              <a:rPr lang="de-CH" altLang="de-DE" sz="3200" dirty="0">
                 <a:solidFill>
-                  <a:srgbClr val="697D91"/>
+                  <a:schemeClr val="tx1"/>
                 </a:solidFill>
-                <a:latin typeface="+mj-lt"/>
+                <a:latin typeface="Lucida Sans" pitchFamily="34" charset="0"/>
               </a:rPr>
-              <a:t>Ergebnisse</a:t>
+              <a:t>Er kann dank dieser Unterstützung sein strategisches Denken und die korrekte Ausführung üben.</a:t>
             </a:r>
           </a:p>
           <a:p>
-            <a:pPr algn="just" defTabSz="912813">
-              <a:spcBef>
-                <a:spcPts val="0"/>
-              </a:spcBef>
+            <a:pPr algn="just">
+              <a:spcAft>
+                <a:spcPts val="600"/>
+              </a:spcAft>
+            </a:pPr>
+            <a:endParaRPr lang="de-CH" altLang="de-DE" sz="3200" dirty="0">
+              <a:solidFill>
+                <a:schemeClr val="tx1"/>
+              </a:solidFill>
+              <a:latin typeface="Lucida Sans" pitchFamily="34" charset="0"/>
+            </a:endParaRPr>
+          </a:p>
+          <a:p>
+            <a:pPr algn="just">
               <a:spcAft>
                 <a:spcPts val="600"/>
               </a:spcAft>
             </a:pPr>
             <a:r>
-              <a:rPr lang="de-CH" sz="3200" dirty="0">
+              <a:rPr lang="de-CH" altLang="de-DE" sz="3200" dirty="0">
+                <a:solidFill>
+                  <a:schemeClr val="tx1"/>
+                </a:solidFill>
                 <a:latin typeface="Lucida Sans" pitchFamily="34" charset="0"/>
               </a:rPr>
-              <a:t>Die Analyse der Daten hat gezeigt, dass es möglich ist, verschiedene Gewebe anhand des Intensitätsverlaufs zu unterscheiden. </a:t>
+              <a:t>Im Infinity-Spielmodus erhält der Spieler automatisch Vorschläge. Ein möglicher Stoss wird animiert angezeigt, der Spieler führt diesen mehr oder weniger erfolgreich aus, und erhält einen neuen Vorschlag so bald alle Kugeln stillstehen. </a:t>
+            </a:r>
+          </a:p>
+          <a:p>
+            <a:pPr algn="just">
+              <a:spcAft>
+                <a:spcPts val="600"/>
+              </a:spcAft>
+            </a:pPr>
+            <a:r>
+              <a:rPr lang="de-CH" altLang="de-DE" sz="3200" dirty="0">
+                <a:solidFill>
+                  <a:schemeClr val="tx1"/>
+                </a:solidFill>
+                <a:latin typeface="Lucida Sans" pitchFamily="34" charset="0"/>
+              </a:rPr>
+              <a:t>Anfänger erleben ein unterbrechungsfreies Spiel, welches durch </a:t>
+            </a:r>
+            <a:r>
+              <a:rPr lang="de-CH" altLang="de-DE" sz="3200" dirty="0" err="1">
+                <a:solidFill>
+                  <a:schemeClr val="tx1"/>
+                </a:solidFill>
+                <a:latin typeface="Lucida Sans" pitchFamily="34" charset="0"/>
+              </a:rPr>
+              <a:t>Augmented</a:t>
+            </a:r>
+            <a:r>
+              <a:rPr lang="de-CH" altLang="de-DE" sz="3200" dirty="0">
+                <a:solidFill>
+                  <a:schemeClr val="tx1"/>
+                </a:solidFill>
+                <a:latin typeface="Lucida Sans" pitchFamily="34" charset="0"/>
+              </a:rPr>
+              <a:t> Reality und künstliche Intelligenz bereichert wird.</a:t>
+            </a:r>
+          </a:p>
+          <a:p>
+            <a:pPr algn="just">
+              <a:spcAft>
+                <a:spcPts val="600"/>
+              </a:spcAft>
+            </a:pPr>
+            <a:endParaRPr lang="de-CH" altLang="de-DE" sz="3200" dirty="0">
+              <a:solidFill>
+                <a:schemeClr val="tx1"/>
+              </a:solidFill>
+              <a:latin typeface="Lucida Sans" pitchFamily="34" charset="0"/>
+            </a:endParaRPr>
+          </a:p>
+          <a:p>
+            <a:pPr algn="just">
+              <a:spcAft>
+                <a:spcPts val="600"/>
+              </a:spcAft>
+            </a:pPr>
+            <a:r>
+              <a:rPr lang="de-CH" altLang="de-DE" sz="3200" dirty="0">
+                <a:solidFill>
+                  <a:schemeClr val="tx1"/>
+                </a:solidFill>
+                <a:latin typeface="Lucida Sans" pitchFamily="34" charset="0"/>
+              </a:rPr>
+              <a:t>Mit Billiard-AI spielt es sich leichter.</a:t>
             </a:r>
             <a:endParaRPr lang="de-CH" altLang="de-DE" sz="3200" dirty="0">
               <a:latin typeface="Lucida Sans" pitchFamily="34" charset="0"/>
@@ -1873,8 +1899,8 @@
         </p:nvSpPr>
         <p:spPr>
           <a:xfrm>
-            <a:off x="10667052" y="6763291"/>
-            <a:ext cx="8845847" cy="7063472"/>
+            <a:off x="10625842" y="1617400"/>
+            <a:ext cx="8845847" cy="9602629"/>
           </a:xfrm>
           <a:prstGeom prst="rect">
             <a:avLst/>
@@ -1891,94 +1917,6 @@
               <a:spcAft>
                 <a:spcPts val="600"/>
               </a:spcAft>
-              <a:buClr>
-                <a:srgbClr val="FAA500"/>
-              </a:buClr>
-              <a:buSzPct val="80000"/>
-              <a:defRPr/>
-            </a:pPr>
-            <a:r>
-              <a:rPr lang="de-CH" altLang="de-DE" sz="3200" dirty="0">
-                <a:latin typeface="Lucida Sans" pitchFamily="34" charset="0"/>
-              </a:rPr>
-              <a:t>sich in Regionen des Körpers anreichert, die einen hohen Stoffwechsel haben. Dies sind neben einigen Organen und Muskeln insbesondere Tumore. Die Intensität dieser Anreicherung wird gemessen, um eine Abbildung der Stoffwechselaktivität zu erhalten.</a:t>
-            </a:r>
-          </a:p>
-          <a:p>
-            <a:pPr algn="just">
-              <a:spcAft>
-                <a:spcPts val="600"/>
-              </a:spcAft>
-              <a:buClr>
-                <a:srgbClr val="FAA500"/>
-              </a:buClr>
-              <a:buSzPct val="80000"/>
-              <a:defRPr/>
-            </a:pPr>
-            <a:r>
-              <a:rPr lang="de-CH" altLang="de-DE" sz="3200" dirty="0">
-                <a:latin typeface="Lucida Sans" pitchFamily="34" charset="0"/>
-              </a:rPr>
-              <a:t>Normalerweise wird diese Intensität nur einmalig nach einer vordefinierten Zeit (z.B. 60 Minuten) nach Verabreichung des Tracers gemessen. Dabei können Gewebe, die zu diesem Zeitpunkt eine ähnliche Anreicherung zeigen, nicht unterschieden werden.</a:t>
-            </a:r>
-          </a:p>
-        </p:txBody>
-      </p:sp>
-      <p:sp>
-        <p:nvSpPr>
-          <p:cNvPr id="12" name="Textfeld 11"/>
-          <p:cNvSpPr txBox="1"/>
-          <p:nvPr/>
-        </p:nvSpPr>
-        <p:spPr>
-          <a:xfrm>
-            <a:off x="898776" y="15244025"/>
-            <a:ext cx="8845847" cy="2323713"/>
-          </a:xfrm>
-          <a:prstGeom prst="rect">
-            <a:avLst/>
-          </a:prstGeom>
-          <a:noFill/>
-        </p:spPr>
-        <p:txBody>
-          <a:bodyPr wrap="square" rtlCol="0">
-            <a:spAutoFit/>
-          </a:bodyPr>
-          <a:lstStyle>
-            <a:defPPr>
-              <a:defRPr lang="de-DE"/>
-            </a:defPPr>
-            <a:lvl1pPr algn="just">
-              <a:buClr>
-                <a:srgbClr val="FAA500"/>
-              </a:buClr>
-              <a:buSzPct val="80000"/>
-              <a:defRPr sz="4400">
-                <a:solidFill>
-                  <a:srgbClr val="697D91"/>
-                </a:solidFill>
-                <a:latin typeface="+mj-lt"/>
-              </a:defRPr>
-            </a:lvl1pPr>
-          </a:lstStyle>
-          <a:p>
-            <a:pPr>
-              <a:spcAft>
-                <a:spcPts val="600"/>
-              </a:spcAft>
-              <a:defRPr/>
-            </a:pPr>
-            <a:r>
-              <a:rPr lang="de-CH" altLang="de-DE" dirty="0"/>
-              <a:t>Einleitung</a:t>
-            </a:r>
-          </a:p>
-          <a:p>
-            <a:pPr>
-              <a:spcAft>
-                <a:spcPts val="600"/>
-              </a:spcAft>
-              <a:defRPr/>
             </a:pPr>
             <a:r>
               <a:rPr lang="de-CH" altLang="de-DE" sz="3200" dirty="0">
@@ -1987,7 +1925,52 @@
                 </a:solidFill>
                 <a:latin typeface="Lucida Sans" pitchFamily="34" charset="0"/>
               </a:rPr>
-              <a:t>Für eine PET-Untersuchung wird dem Patienten eine schwach radioaktiv markierte Substanz (Tracer) injiziert, die</a:t>
+              <a:t>Sowohl direkte wie auch Stösse über die Banden werden gefunden und die benötigte Geschwindigkeit wird berechnet. Vorgeschlagen werden die einfachsten und erfolgversprechendsten Stösse.</a:t>
+            </a:r>
+          </a:p>
+          <a:p>
+            <a:pPr algn="just">
+              <a:spcAft>
+                <a:spcPts val="600"/>
+              </a:spcAft>
+            </a:pPr>
+            <a:endParaRPr lang="de-CH" altLang="de-DE" sz="3200" dirty="0">
+              <a:solidFill>
+                <a:schemeClr val="tx1"/>
+              </a:solidFill>
+              <a:latin typeface="Lucida Sans" pitchFamily="34" charset="0"/>
+            </a:endParaRPr>
+          </a:p>
+          <a:p>
+            <a:pPr algn="just">
+              <a:spcAft>
+                <a:spcPts val="600"/>
+              </a:spcAft>
+            </a:pPr>
+            <a:r>
+              <a:rPr lang="de-CH" altLang="de-DE" sz="3200" dirty="0">
+                <a:solidFill>
+                  <a:schemeClr val="tx1"/>
+                </a:solidFill>
+                <a:latin typeface="Lucida Sans" pitchFamily="34" charset="0"/>
+              </a:rPr>
+              <a:t>Eine Physiksimulation berechnet die Spielsituation nach dem Stoss. Der Weg jeder beteiligten Kugel wird anhand von Linien auf dem Tisch angezeigt und durch die Animation projizierter Kugeln wird der Ablauf des Stosses visualisiert. </a:t>
+            </a:r>
+          </a:p>
+          <a:p>
+            <a:pPr algn="just">
+              <a:spcAft>
+                <a:spcPts val="600"/>
+              </a:spcAft>
+            </a:pPr>
+            <a:r>
+              <a:rPr lang="de-CH" altLang="de-DE" sz="3200" dirty="0">
+                <a:solidFill>
+                  <a:schemeClr val="tx1"/>
+                </a:solidFill>
+                <a:latin typeface="Lucida Sans" pitchFamily="34" charset="0"/>
+              </a:rPr>
+              <a:t>Dadurch ist ersichtlich, wo welche Kugeln zusammentreffen, eingelocht werden oder zum Stillstand kommen. Der Spieler kann den Billardqueue an den angezeigten Linien ausrichten und die animierte Geschwindigkeit nachvollziehen, damit der Stoss gelingt.</a:t>
             </a:r>
           </a:p>
         </p:txBody>
@@ -2000,10 +1983,10 @@
         </p:nvGrpSpPr>
         <p:grpSpPr>
           <a:xfrm>
-            <a:off x="10667052" y="875398"/>
-            <a:ext cx="8928266" cy="5801474"/>
+            <a:off x="10584633" y="11820055"/>
+            <a:ext cx="8845847" cy="5801474"/>
             <a:chOff x="10665374" y="875398"/>
-            <a:chExt cx="8926862" cy="5801474"/>
+            <a:chExt cx="8844456" cy="5801474"/>
           </a:xfrm>
         </p:grpSpPr>
         <p:pic>
@@ -2015,22 +1998,14 @@
             <p:nvPr/>
           </p:nvPicPr>
           <p:blipFill>
-            <a:blip r:embed="rId3">
-              <a:extLst>
-                <a:ext uri="{28A0092B-C50C-407E-A947-70E740481C1C}">
-                  <a14:useLocalDpi xmlns:a14="http://schemas.microsoft.com/office/drawing/2010/main" val="0"/>
-                </a:ext>
-              </a:extLst>
-            </a:blip>
+            <a:blip r:embed="rId2"/>
             <a:srcRect/>
-            <a:stretch>
-              <a:fillRect/>
-            </a:stretch>
+            <a:stretch/>
           </p:blipFill>
           <p:spPr bwMode="auto">
             <a:xfrm>
-              <a:off x="10665374" y="875398"/>
-              <a:ext cx="8926862" cy="4800187"/>
+              <a:off x="10862643" y="875398"/>
+              <a:ext cx="8532323" cy="4800187"/>
             </a:xfrm>
             <a:prstGeom prst="rect">
               <a:avLst/>
@@ -2099,7 +2074,7 @@
               </a:pPr>
               <a:r>
                 <a:rPr lang="de-CH" sz="2800" i="1" dirty="0"/>
-                <a:t>Normale PET/CT-Untersuchung mit Tumor (blau) und möglichen Metastasen (rot)</a:t>
+                <a:t>Spielsituation mit einem Vorschlag und erkannten Kugelpositionen.</a:t>
               </a:r>
             </a:p>
           </p:txBody>
@@ -2107,43 +2082,47 @@
       </p:grpSp>
       <p:grpSp>
         <p:nvGrpSpPr>
-          <p:cNvPr id="14" name="Gruppieren 13"/>
+          <p:cNvPr id="23" name="Gruppieren 22">
+            <a:extLst>
+              <a:ext uri="{FF2B5EF4-FFF2-40B4-BE49-F238E27FC236}">
+                <a16:creationId xmlns:a16="http://schemas.microsoft.com/office/drawing/2014/main" id="{F4CD4DAA-F0C4-4349-8275-60C2BE0ED7C7}"/>
+              </a:ext>
+            </a:extLst>
+          </p:cNvPr>
           <p:cNvGrpSpPr/>
           <p:nvPr/>
         </p:nvGrpSpPr>
         <p:grpSpPr>
           <a:xfrm>
-            <a:off x="10790496" y="13968303"/>
-            <a:ext cx="8722403" cy="3530600"/>
-            <a:chOff x="10788799" y="13779117"/>
-            <a:chExt cx="8721031" cy="3530600"/>
+            <a:off x="20270490" y="11865203"/>
+            <a:ext cx="8845847" cy="5801474"/>
+            <a:chOff x="10665374" y="875398"/>
+            <a:chExt cx="8844456" cy="5801474"/>
           </a:xfrm>
         </p:grpSpPr>
         <p:pic>
           <p:nvPicPr>
-            <p:cNvPr id="1027" name="Picture 3"/>
+            <p:cNvPr id="24" name="Picture 2">
+              <a:extLst>
+                <a:ext uri="{FF2B5EF4-FFF2-40B4-BE49-F238E27FC236}">
+                  <a16:creationId xmlns:a16="http://schemas.microsoft.com/office/drawing/2014/main" id="{BB39384F-B543-4A83-B2E2-EEE205820FA4}"/>
+                </a:ext>
+              </a:extLst>
+            </p:cNvPr>
             <p:cNvPicPr>
               <a:picLocks noChangeAspect="1" noChangeArrowheads="1"/>
             </p:cNvPicPr>
             <p:nvPr/>
           </p:nvPicPr>
           <p:blipFill>
-            <a:blip r:embed="rId4">
-              <a:extLst>
-                <a:ext uri="{28A0092B-C50C-407E-A947-70E740481C1C}">
-                  <a14:useLocalDpi xmlns:a14="http://schemas.microsoft.com/office/drawing/2010/main" val="0"/>
-                </a:ext>
-              </a:extLst>
-            </a:blip>
+            <a:blip r:embed="rId2"/>
             <a:srcRect/>
-            <a:stretch>
-              <a:fillRect/>
-            </a:stretch>
+            <a:stretch/>
           </p:blipFill>
           <p:spPr bwMode="auto">
             <a:xfrm>
-              <a:off x="10788799" y="13779117"/>
-              <a:ext cx="6267450" cy="3530600"/>
+              <a:off x="10862643" y="875398"/>
+              <a:ext cx="8532323" cy="4800187"/>
             </a:xfrm>
             <a:prstGeom prst="rect">
               <a:avLst/>
@@ -2185,14 +2164,20 @@
         </p:pic>
         <p:sp>
           <p:nvSpPr>
-            <p:cNvPr id="5" name="Textfeld 4"/>
+            <p:cNvPr id="25" name="Textfeld 24">
+              <a:extLst>
+                <a:ext uri="{FF2B5EF4-FFF2-40B4-BE49-F238E27FC236}">
+                  <a16:creationId xmlns:a16="http://schemas.microsoft.com/office/drawing/2014/main" id="{B99F933B-1FCC-43AC-959F-90A91FBA068F}"/>
+                </a:ext>
+              </a:extLst>
+            </p:cNvPr>
             <p:cNvSpPr txBox="1"/>
             <p:nvPr/>
           </p:nvSpPr>
           <p:spPr>
             <a:xfrm>
-              <a:off x="17056249" y="13779117"/>
-              <a:ext cx="2453581" cy="2677656"/>
+              <a:off x="10665374" y="5722765"/>
+              <a:ext cx="8844456" cy="954107"/>
             </a:xfrm>
             <a:prstGeom prst="rect">
               <a:avLst/>
@@ -2212,173 +2197,7 @@
               </a:pPr>
               <a:r>
                 <a:rPr lang="de-CH" sz="2800" i="1" dirty="0"/>
-                <a:t>PET/CT-Untersuchung mit klassifiziertem Tumorgewebe blau eingefärbt</a:t>
-              </a:r>
-            </a:p>
-          </p:txBody>
-        </p:sp>
-      </p:grpSp>
-      <p:sp>
-        <p:nvSpPr>
-          <p:cNvPr id="18" name="Textfeld 17"/>
-          <p:cNvSpPr txBox="1"/>
-          <p:nvPr/>
-        </p:nvSpPr>
-        <p:spPr>
-          <a:xfrm>
-            <a:off x="20356484" y="11127444"/>
-            <a:ext cx="8845847" cy="6494085"/>
-          </a:xfrm>
-          <a:prstGeom prst="rect">
-            <a:avLst/>
-          </a:prstGeom>
-          <a:noFill/>
-        </p:spPr>
-        <p:txBody>
-          <a:bodyPr wrap="square" rtlCol="0">
-            <a:spAutoFit/>
-          </a:bodyPr>
-          <a:lstStyle/>
-          <a:p>
-            <a:pPr algn="just">
-              <a:spcAft>
-                <a:spcPts val="600"/>
-              </a:spcAft>
-              <a:buClr>
-                <a:srgbClr val="FAA500"/>
-              </a:buClr>
-              <a:buSzPct val="80000"/>
-              <a:defRPr/>
-            </a:pPr>
-            <a:r>
-              <a:rPr lang="de-CH" altLang="de-DE" sz="3200" dirty="0">
-                <a:latin typeface="Lucida Sans" pitchFamily="34" charset="0"/>
-              </a:rPr>
-              <a:t>Für die Klassifizierung wurden insgesamt 6 verschiedene Distanzmasse implementiert. </a:t>
-            </a:r>
-            <a:r>
-              <a:rPr lang="de-CH" sz="3200" dirty="0">
-                <a:latin typeface="Lucida Sans" pitchFamily="34" charset="0"/>
-              </a:rPr>
-              <a:t>Durch unsere Evaluation bewährte sich bei dieser Problemstellung eine Kombination von mehreren Distanzmassen. </a:t>
-            </a:r>
-            <a:r>
-              <a:rPr lang="de-CH" altLang="de-DE" sz="3200" dirty="0">
-                <a:latin typeface="Lucida Sans" pitchFamily="34" charset="0"/>
-              </a:rPr>
-              <a:t>Die Klassifizierung ermöglicht eine selektive Darstellung des Gewebes. Dadurch können Tumore und Metastasen besser gefunden werden. Mithilfe solcher Techniken sollen computerunterstützte Diagnostik-Systeme in Zukunft den Ärzten helfen, die Erkennungsrate von Tumoren bzw. Metastasen weiter zu steigern.</a:t>
-            </a:r>
-          </a:p>
-        </p:txBody>
-      </p:sp>
-      <p:grpSp>
-        <p:nvGrpSpPr>
-          <p:cNvPr id="16" name="Gruppieren 15"/>
-          <p:cNvGrpSpPr/>
-          <p:nvPr/>
-        </p:nvGrpSpPr>
-        <p:grpSpPr>
-          <a:xfrm>
-            <a:off x="20356485" y="7653667"/>
-            <a:ext cx="8845846" cy="3129948"/>
-            <a:chOff x="20353283" y="7937446"/>
-            <a:chExt cx="8844455" cy="3129948"/>
-          </a:xfrm>
-        </p:grpSpPr>
-        <p:pic>
-          <p:nvPicPr>
-            <p:cNvPr id="1028" name="Picture 4"/>
-            <p:cNvPicPr>
-              <a:picLocks noChangeAspect="1" noChangeArrowheads="1"/>
-            </p:cNvPicPr>
-            <p:nvPr/>
-          </p:nvPicPr>
-          <p:blipFill>
-            <a:blip r:embed="rId5">
-              <a:extLst>
-                <a:ext uri="{28A0092B-C50C-407E-A947-70E740481C1C}">
-                  <a14:useLocalDpi xmlns:a14="http://schemas.microsoft.com/office/drawing/2010/main" val="0"/>
-                </a:ext>
-              </a:extLst>
-            </a:blip>
-            <a:srcRect/>
-            <a:stretch>
-              <a:fillRect/>
-            </a:stretch>
-          </p:blipFill>
-          <p:spPr bwMode="auto">
-            <a:xfrm>
-              <a:off x="23414639" y="7937446"/>
-              <a:ext cx="5783099" cy="3129948"/>
-            </a:xfrm>
-            <a:prstGeom prst="rect">
-              <a:avLst/>
-            </a:prstGeom>
-            <a:noFill/>
-            <a:ln>
-              <a:noFill/>
-            </a:ln>
-            <a:effectLst/>
-            <a:extLst>
-              <a:ext uri="{909E8E84-426E-40DD-AFC4-6F175D3DCCD1}">
-                <a14:hiddenFill xmlns:a14="http://schemas.microsoft.com/office/drawing/2010/main">
-                  <a:solidFill>
-                    <a:schemeClr val="accent1"/>
-                  </a:solidFill>
-                </a14:hiddenFill>
-              </a:ext>
-              <a:ext uri="{91240B29-F687-4F45-9708-019B960494DF}">
-                <a14:hiddenLine xmlns:a14="http://schemas.microsoft.com/office/drawing/2010/main" w="9525">
-                  <a:solidFill>
-                    <a:schemeClr val="tx1"/>
-                  </a:solidFill>
-                  <a:miter lim="800000"/>
-                  <a:headEnd/>
-                  <a:tailEnd/>
-                </a14:hiddenLine>
-              </a:ext>
-              <a:ext uri="{AF507438-7753-43E0-B8FC-AC1667EBCBE1}">
-                <a14:hiddenEffects xmlns:a14="http://schemas.microsoft.com/office/drawing/2010/main">
-                  <a:effectLst>
-                    <a:outerShdw dist="35921" dir="2700000" algn="ctr" rotWithShape="0">
-                      <a:schemeClr val="bg2"/>
-                    </a:outerShdw>
-                  </a:effectLst>
-                </a14:hiddenEffects>
-              </a:ext>
-            </a:extLst>
-          </p:spPr>
-        </p:pic>
-        <p:sp>
-          <p:nvSpPr>
-            <p:cNvPr id="15" name="Textfeld 14"/>
-            <p:cNvSpPr txBox="1"/>
-            <p:nvPr/>
-          </p:nvSpPr>
-          <p:spPr>
-            <a:xfrm>
-              <a:off x="20353283" y="8126631"/>
-              <a:ext cx="3061356" cy="2677656"/>
-            </a:xfrm>
-            <a:prstGeom prst="rect">
-              <a:avLst/>
-            </a:prstGeom>
-            <a:noFill/>
-          </p:spPr>
-          <p:txBody>
-            <a:bodyPr wrap="square" rtlCol="0">
-              <a:spAutoFit/>
-            </a:bodyPr>
-            <a:lstStyle/>
-            <a:p>
-              <a:pPr algn="ctr" defTabSz="912813">
-                <a:spcBef>
-                  <a:spcPct val="50000"/>
-                </a:spcBef>
-              </a:pPr>
-              <a:r>
-                <a:rPr lang="de-CH" sz="2800" i="1" dirty="0"/>
-                <a:t>Intensitätsverlauf über 5 Zeitpunkte (gefiltert) von Blut (rot), Tumor (blau), Nieren (grün) und Fett (schwarz)</a:t>
+                <a:t>Spielsituation mit einem Vorschlag und erkannten Kugelpositionen.</a:t>
               </a:r>
             </a:p>
           </p:txBody>
@@ -2658,6 +2477,37 @@
 </file>
 
 <file path=customXml/item1.xml><?xml version="1.0" encoding="utf-8"?>
+<LongProperties xmlns="http://schemas.microsoft.com/office/2006/metadata/longProperties"/>
+</file>
+
+<file path=customXml/item2.xml><?xml version="1.0" encoding="utf-8"?>
+<p:properties xmlns:p="http://schemas.microsoft.com/office/2006/metadata/properties" xmlns:xsi="http://www.w3.org/2001/XMLSchema-instance" xmlns:pc="http://schemas.microsoft.com/office/infopath/2007/PartnerControls">
+  <documentManagement>
+    <BfhIntranetDepartmentText xmlns="63c724b1-652e-424f-8d99-4ee509067280">
+      <Terms xmlns="http://schemas.microsoft.com/office/infopath/2007/PartnerControls">
+        <TermInfo xmlns="http://schemas.microsoft.com/office/infopath/2007/PartnerControls">
+          <TermName xmlns="http://schemas.microsoft.com/office/infopath/2007/PartnerControls">Vorlage</TermName>
+          <TermId xmlns="http://schemas.microsoft.com/office/infopath/2007/PartnerControls">de1a6d3c-ac6a-4b34-8edd-308eb81066db</TermId>
+        </TermInfo>
+      </Terms>
+    </BfhIntranetDepartmentText>
+    <TaxCatchAll xmlns="2551ef7e-3b29-44d1-a8ad-ef34c26bfc60">
+      <Value>241</Value>
+    </TaxCatchAll>
+  </documentManagement>
+</p:properties>
+</file>
+
+<file path=customXml/item3.xml><?xml version="1.0" encoding="utf-8"?>
+<?mso-contentType ?>
+<FormTemplates xmlns="http://schemas.microsoft.com/sharepoint/v3/contenttype/forms">
+  <Display>DocumentLibraryForm</Display>
+  <Edit>DocumentLibraryForm</Edit>
+  <New>DocumentLibraryForm</New>
+</FormTemplates>
+</file>
+
+<file path=customXml/item4.xml><?xml version="1.0" encoding="utf-8"?>
 <ct:contentTypeSchema xmlns:ct="http://schemas.microsoft.com/office/2006/metadata/contentType" xmlns:ma="http://schemas.microsoft.com/office/2006/metadata/properties/metaAttributes" ct:_="" ma:_="" ma:contentTypeName="BFH Document" ma:contentTypeID="0x0101009127C3B567804923A8661E062BBD8EF500562C9D82744B284A86093F1D9B579BDC" ma:contentTypeVersion="2" ma:contentTypeDescription="Ein neues Dokument erstellen." ma:contentTypeScope="" ma:versionID="9c45b5bf27c78835ceac1d8ed0ad849b">
   <xsd:schema xmlns:xsd="http://www.w3.org/2001/XMLSchema" xmlns:xs="http://www.w3.org/2001/XMLSchema" xmlns:p="http://schemas.microsoft.com/office/2006/metadata/properties" xmlns:ns2="63c724b1-652e-424f-8d99-4ee509067280" xmlns:ns3="2551ef7e-3b29-44d1-a8ad-ef34c26bfc60" targetNamespace="http://schemas.microsoft.com/office/2006/metadata/properties" ma:root="true" ma:fieldsID="77ddedd9f4909d73cfb737d3d691d0f9" ns2:_="" ns3:_="">
     <xsd:import namespace="63c724b1-652e-424f-8d99-4ee509067280"/>
@@ -2802,38 +2652,40 @@
 </ct:contentTypeSchema>
 </file>
 
-<file path=customXml/item2.xml><?xml version="1.0" encoding="utf-8"?>
-<?mso-contentType ?>
-<FormTemplates xmlns="http://schemas.microsoft.com/sharepoint/v3/contenttype/forms">
-  <Display>DocumentLibraryForm</Display>
-  <Edit>DocumentLibraryForm</Edit>
-  <New>DocumentLibraryForm</New>
-</FormTemplates>
+<file path=customXml/itemProps1.xml><?xml version="1.0" encoding="utf-8"?>
+<ds:datastoreItem xmlns:ds="http://schemas.openxmlformats.org/officeDocument/2006/customXml" ds:itemID="{34ACECAE-8DDC-4218-ADDE-80828E100BF5}">
+  <ds:schemaRefs>
+    <ds:schemaRef ds:uri="http://schemas.microsoft.com/office/2006/metadata/longProperties"/>
+  </ds:schemaRefs>
+</ds:datastoreItem>
 </file>
 
-<file path=customXml/item3.xml><?xml version="1.0" encoding="utf-8"?>
-<p:properties xmlns:p="http://schemas.microsoft.com/office/2006/metadata/properties" xmlns:xsi="http://www.w3.org/2001/XMLSchema-instance" xmlns:pc="http://schemas.microsoft.com/office/infopath/2007/PartnerControls">
-  <documentManagement>
-    <BfhIntranetDepartmentText xmlns="63c724b1-652e-424f-8d99-4ee509067280">
-      <Terms xmlns="http://schemas.microsoft.com/office/infopath/2007/PartnerControls">
-        <TermInfo xmlns="http://schemas.microsoft.com/office/infopath/2007/PartnerControls">
-          <TermName xmlns="http://schemas.microsoft.com/office/infopath/2007/PartnerControls">Vorlage</TermName>
-          <TermId xmlns="http://schemas.microsoft.com/office/infopath/2007/PartnerControls">de1a6d3c-ac6a-4b34-8edd-308eb81066db</TermId>
-        </TermInfo>
-      </Terms>
-    </BfhIntranetDepartmentText>
-    <TaxCatchAll xmlns="2551ef7e-3b29-44d1-a8ad-ef34c26bfc60">
-      <Value>241</Value>
-    </TaxCatchAll>
-  </documentManagement>
-</p:properties>
+<file path=customXml/itemProps2.xml><?xml version="1.0" encoding="utf-8"?>
+<ds:datastoreItem xmlns:ds="http://schemas.openxmlformats.org/officeDocument/2006/customXml" ds:itemID="{12310AE4-98C2-4A3E-BE75-5A8AB8823A32}">
+  <ds:schemaRefs>
+    <ds:schemaRef ds:uri="2551ef7e-3b29-44d1-a8ad-ef34c26bfc60"/>
+    <ds:schemaRef ds:uri="http://schemas.microsoft.com/office/2006/documentManagement/types"/>
+    <ds:schemaRef ds:uri="63c724b1-652e-424f-8d99-4ee509067280"/>
+    <ds:schemaRef ds:uri="http://purl.org/dc/elements/1.1/"/>
+    <ds:schemaRef ds:uri="http://www.w3.org/XML/1998/namespace"/>
+    <ds:schemaRef ds:uri="http://purl.org/dc/terms/"/>
+    <ds:schemaRef ds:uri="http://purl.org/dc/dcmitype/"/>
+    <ds:schemaRef ds:uri="http://schemas.microsoft.com/office/2006/metadata/properties"/>
+    <ds:schemaRef ds:uri="http://schemas.microsoft.com/office/infopath/2007/PartnerControls"/>
+    <ds:schemaRef ds:uri="http://schemas.openxmlformats.org/package/2006/metadata/core-properties"/>
+  </ds:schemaRefs>
+</ds:datastoreItem>
 </file>
 
-<file path=customXml/item4.xml><?xml version="1.0" encoding="utf-8"?>
-<LongProperties xmlns="http://schemas.microsoft.com/office/2006/metadata/longProperties"/>
+<file path=customXml/itemProps3.xml><?xml version="1.0" encoding="utf-8"?>
+<ds:datastoreItem xmlns:ds="http://schemas.openxmlformats.org/officeDocument/2006/customXml" ds:itemID="{47870AFC-B140-4E73-B0E2-054A74E7EB25}">
+  <ds:schemaRefs>
+    <ds:schemaRef ds:uri="http://schemas.microsoft.com/sharepoint/v3/contenttype/forms"/>
+  </ds:schemaRefs>
+</ds:datastoreItem>
 </file>
 
-<file path=customXml/itemProps1.xml><?xml version="1.0" encoding="utf-8"?>
+<file path=customXml/itemProps4.xml><?xml version="1.0" encoding="utf-8"?>
 <ds:datastoreItem xmlns:ds="http://schemas.openxmlformats.org/officeDocument/2006/customXml" ds:itemID="{064F56C1-3E03-4158-81FF-45AFD11405FB}">
   <ds:schemaRefs>
     <ds:schemaRef ds:uri="http://schemas.microsoft.com/office/2006/metadata/contentType"/>
@@ -2850,37 +2702,4 @@
     <ds:schemaRef ds:uri="http://schemas.microsoft.com/internal/obd"/>
   </ds:schemaRefs>
 </ds:datastoreItem>
-</file>
-
-<file path=customXml/itemProps2.xml><?xml version="1.0" encoding="utf-8"?>
-<ds:datastoreItem xmlns:ds="http://schemas.openxmlformats.org/officeDocument/2006/customXml" ds:itemID="{47870AFC-B140-4E73-B0E2-054A74E7EB25}">
-  <ds:schemaRefs>
-    <ds:schemaRef ds:uri="http://schemas.microsoft.com/sharepoint/v3/contenttype/forms"/>
-  </ds:schemaRefs>
-</ds:datastoreItem>
-</file>
-
-<file path=customXml/itemProps3.xml><?xml version="1.0" encoding="utf-8"?>
-<ds:datastoreItem xmlns:ds="http://schemas.openxmlformats.org/officeDocument/2006/customXml" ds:itemID="{12310AE4-98C2-4A3E-BE75-5A8AB8823A32}">
-  <ds:schemaRefs>
-    <ds:schemaRef ds:uri="2551ef7e-3b29-44d1-a8ad-ef34c26bfc60"/>
-    <ds:schemaRef ds:uri="http://schemas.microsoft.com/office/2006/documentManagement/types"/>
-    <ds:schemaRef ds:uri="63c724b1-652e-424f-8d99-4ee509067280"/>
-    <ds:schemaRef ds:uri="http://purl.org/dc/elements/1.1/"/>
-    <ds:schemaRef ds:uri="http://www.w3.org/XML/1998/namespace"/>
-    <ds:schemaRef ds:uri="http://purl.org/dc/terms/"/>
-    <ds:schemaRef ds:uri="http://purl.org/dc/dcmitype/"/>
-    <ds:schemaRef ds:uri="http://schemas.microsoft.com/office/2006/metadata/properties"/>
-    <ds:schemaRef ds:uri="http://schemas.microsoft.com/office/infopath/2007/PartnerControls"/>
-    <ds:schemaRef ds:uri="http://schemas.openxmlformats.org/package/2006/metadata/core-properties"/>
-  </ds:schemaRefs>
-</ds:datastoreItem>
-</file>
-
-<file path=customXml/itemProps4.xml><?xml version="1.0" encoding="utf-8"?>
-<ds:datastoreItem xmlns:ds="http://schemas.openxmlformats.org/officeDocument/2006/customXml" ds:itemID="{34ACECAE-8DDC-4218-ADDE-80828E100BF5}">
-  <ds:schemaRefs>
-    <ds:schemaRef ds:uri="http://schemas.microsoft.com/office/2006/metadata/longProperties"/>
-  </ds:schemaRefs>
-</ds:datastoreItem>
 </file>
--- a/doc_source/Poster.pptx
+++ b/doc_source/Poster.pptx
@@ -939,7 +939,7 @@
         <p:spPr>
           <a:xfrm>
             <a:off x="898776" y="875400"/>
-            <a:ext cx="8845847" cy="16312158"/>
+            <a:ext cx="8845847" cy="15742771"/>
           </a:xfrm>
           <a:prstGeom prst="rect">
             <a:avLst/>
@@ -991,7 +991,7 @@
                 </a:solidFill>
                 <a:latin typeface="Lucida Sans" pitchFamily="34" charset="0"/>
               </a:rPr>
-              <a:t>Billard ist eine Sportart, die ein gewisses Verständnis von Physik, strategisches Denken und eine ruhige Hand erfordert. Für Anfänger ist es schwierig, in einer Spielsituation geeignete Stösse zu finden, den passenden auszuwählen und korrekt auszuführen.</a:t>
+              <a:t>Billard ist eine Sportart, die strategisches Denken, ein gewisses Verständnis von Physik und eine ruhige Hand erfordert. Für Anfänger ist es schwierig, in einer Spielsituation geeignete Stösse zu finden, den passenden auszuwählen und korrekt auszuführen.</a:t>
             </a:r>
           </a:p>
           <a:p>
@@ -1036,7 +1036,7 @@
                 </a:solidFill>
                 <a:latin typeface="Lucida Sans" pitchFamily="34" charset="0"/>
               </a:rPr>
-              <a:t>Beim Billard muss sich der Spieler mögliche Stösse vorstellen und die Stärke und den Winkel, mit dem die weisse Kugel angestossen werden soll, abschätzen. Was nach dem Stoss passiert, muss sich der Spieler aufgrund seiner Erfahrung im Spiel vorstellen.</a:t>
+              <a:t>Beim Billard muss sich der Spieler mögliche Stösse überlegen und die Stärke und den Winkel, mit dem die weisse Kugel angestossen werden soll, abschätzen. Was nach dem Stoss passiert, muss sich der Spieler aufgrund seiner Erfahrung im Spiel vorstellen.</a:t>
             </a:r>
           </a:p>
           <a:p>
@@ -1820,7 +1820,7 @@
                 </a:solidFill>
                 <a:latin typeface="Lucida Sans" pitchFamily="34" charset="0"/>
               </a:rPr>
-              <a:t>Im Infinity-Spielmodus erhält der Spieler automatisch Vorschläge. Ein möglicher Stoss wird animiert angezeigt, der Spieler führt diesen mehr oder weniger erfolgreich aus, und erhält einen neuen Vorschlag so bald alle Kugeln stillstehen. </a:t>
+              <a:t>Im Infinity-Spielmodus erhält der Spieler automatisch Vorschläge. Ein möglicher Stoss wird animiert angezeigt, der Spieler führt diesen mehr oder weniger erfolgreich aus, und erhält einen neuen Vorschlag, sobald alle Kugeln stillstehen. </a:t>
             </a:r>
           </a:p>
           <a:p>
@@ -2477,37 +2477,6 @@
 </file>
 
 <file path=customXml/item1.xml><?xml version="1.0" encoding="utf-8"?>
-<LongProperties xmlns="http://schemas.microsoft.com/office/2006/metadata/longProperties"/>
-</file>
-
-<file path=customXml/item2.xml><?xml version="1.0" encoding="utf-8"?>
-<p:properties xmlns:p="http://schemas.microsoft.com/office/2006/metadata/properties" xmlns:xsi="http://www.w3.org/2001/XMLSchema-instance" xmlns:pc="http://schemas.microsoft.com/office/infopath/2007/PartnerControls">
-  <documentManagement>
-    <BfhIntranetDepartmentText xmlns="63c724b1-652e-424f-8d99-4ee509067280">
-      <Terms xmlns="http://schemas.microsoft.com/office/infopath/2007/PartnerControls">
-        <TermInfo xmlns="http://schemas.microsoft.com/office/infopath/2007/PartnerControls">
-          <TermName xmlns="http://schemas.microsoft.com/office/infopath/2007/PartnerControls">Vorlage</TermName>
-          <TermId xmlns="http://schemas.microsoft.com/office/infopath/2007/PartnerControls">de1a6d3c-ac6a-4b34-8edd-308eb81066db</TermId>
-        </TermInfo>
-      </Terms>
-    </BfhIntranetDepartmentText>
-    <TaxCatchAll xmlns="2551ef7e-3b29-44d1-a8ad-ef34c26bfc60">
-      <Value>241</Value>
-    </TaxCatchAll>
-  </documentManagement>
-</p:properties>
-</file>
-
-<file path=customXml/item3.xml><?xml version="1.0" encoding="utf-8"?>
-<?mso-contentType ?>
-<FormTemplates xmlns="http://schemas.microsoft.com/sharepoint/v3/contenttype/forms">
-  <Display>DocumentLibraryForm</Display>
-  <Edit>DocumentLibraryForm</Edit>
-  <New>DocumentLibraryForm</New>
-</FormTemplates>
-</file>
-
-<file path=customXml/item4.xml><?xml version="1.0" encoding="utf-8"?>
 <ct:contentTypeSchema xmlns:ct="http://schemas.microsoft.com/office/2006/metadata/contentType" xmlns:ma="http://schemas.microsoft.com/office/2006/metadata/properties/metaAttributes" ct:_="" ma:_="" ma:contentTypeName="BFH Document" ma:contentTypeID="0x0101009127C3B567804923A8661E062BBD8EF500562C9D82744B284A86093F1D9B579BDC" ma:contentTypeVersion="2" ma:contentTypeDescription="Ein neues Dokument erstellen." ma:contentTypeScope="" ma:versionID="9c45b5bf27c78835ceac1d8ed0ad849b">
   <xsd:schema xmlns:xsd="http://www.w3.org/2001/XMLSchema" xmlns:xs="http://www.w3.org/2001/XMLSchema" xmlns:p="http://schemas.microsoft.com/office/2006/metadata/properties" xmlns:ns2="63c724b1-652e-424f-8d99-4ee509067280" xmlns:ns3="2551ef7e-3b29-44d1-a8ad-ef34c26bfc60" targetNamespace="http://schemas.microsoft.com/office/2006/metadata/properties" ma:root="true" ma:fieldsID="77ddedd9f4909d73cfb737d3d691d0f9" ns2:_="" ns3:_="">
     <xsd:import namespace="63c724b1-652e-424f-8d99-4ee509067280"/>
@@ -2652,15 +2621,65 @@
 </ct:contentTypeSchema>
 </file>
 
+<file path=customXml/item2.xml><?xml version="1.0" encoding="utf-8"?>
+<?mso-contentType ?>
+<FormTemplates xmlns="http://schemas.microsoft.com/sharepoint/v3/contenttype/forms">
+  <Display>DocumentLibraryForm</Display>
+  <Edit>DocumentLibraryForm</Edit>
+  <New>DocumentLibraryForm</New>
+</FormTemplates>
+</file>
+
+<file path=customXml/item3.xml><?xml version="1.0" encoding="utf-8"?>
+<p:properties xmlns:p="http://schemas.microsoft.com/office/2006/metadata/properties" xmlns:xsi="http://www.w3.org/2001/XMLSchema-instance" xmlns:pc="http://schemas.microsoft.com/office/infopath/2007/PartnerControls">
+  <documentManagement>
+    <BfhIntranetDepartmentText xmlns="63c724b1-652e-424f-8d99-4ee509067280">
+      <Terms xmlns="http://schemas.microsoft.com/office/infopath/2007/PartnerControls">
+        <TermInfo xmlns="http://schemas.microsoft.com/office/infopath/2007/PartnerControls">
+          <TermName xmlns="http://schemas.microsoft.com/office/infopath/2007/PartnerControls">Vorlage</TermName>
+          <TermId xmlns="http://schemas.microsoft.com/office/infopath/2007/PartnerControls">de1a6d3c-ac6a-4b34-8edd-308eb81066db</TermId>
+        </TermInfo>
+      </Terms>
+    </BfhIntranetDepartmentText>
+    <TaxCatchAll xmlns="2551ef7e-3b29-44d1-a8ad-ef34c26bfc60">
+      <Value>241</Value>
+    </TaxCatchAll>
+  </documentManagement>
+</p:properties>
+</file>
+
+<file path=customXml/item4.xml><?xml version="1.0" encoding="utf-8"?>
+<LongProperties xmlns="http://schemas.microsoft.com/office/2006/metadata/longProperties"/>
+</file>
+
 <file path=customXml/itemProps1.xml><?xml version="1.0" encoding="utf-8"?>
-<ds:datastoreItem xmlns:ds="http://schemas.openxmlformats.org/officeDocument/2006/customXml" ds:itemID="{34ACECAE-8DDC-4218-ADDE-80828E100BF5}">
+<ds:datastoreItem xmlns:ds="http://schemas.openxmlformats.org/officeDocument/2006/customXml" ds:itemID="{064F56C1-3E03-4158-81FF-45AFD11405FB}">
   <ds:schemaRefs>
-    <ds:schemaRef ds:uri="http://schemas.microsoft.com/office/2006/metadata/longProperties"/>
+    <ds:schemaRef ds:uri="http://schemas.microsoft.com/office/2006/metadata/contentType"/>
+    <ds:schemaRef ds:uri="http://schemas.microsoft.com/office/2006/metadata/properties/metaAttributes"/>
+    <ds:schemaRef ds:uri="http://www.w3.org/2001/XMLSchema"/>
+    <ds:schemaRef ds:uri="http://schemas.microsoft.com/office/2006/metadata/properties"/>
+    <ds:schemaRef ds:uri="63c724b1-652e-424f-8d99-4ee509067280"/>
+    <ds:schemaRef ds:uri="2551ef7e-3b29-44d1-a8ad-ef34c26bfc60"/>
+    <ds:schemaRef ds:uri="http://schemas.microsoft.com/office/2006/documentManagement/types"/>
+    <ds:schemaRef ds:uri="http://schemas.microsoft.com/office/infopath/2007/PartnerControls"/>
+    <ds:schemaRef ds:uri="http://schemas.openxmlformats.org/package/2006/metadata/core-properties"/>
+    <ds:schemaRef ds:uri="http://purl.org/dc/elements/1.1/"/>
+    <ds:schemaRef ds:uri="http://purl.org/dc/terms/"/>
+    <ds:schemaRef ds:uri="http://schemas.microsoft.com/internal/obd"/>
   </ds:schemaRefs>
 </ds:datastoreItem>
 </file>
 
 <file path=customXml/itemProps2.xml><?xml version="1.0" encoding="utf-8"?>
+<ds:datastoreItem xmlns:ds="http://schemas.openxmlformats.org/officeDocument/2006/customXml" ds:itemID="{47870AFC-B140-4E73-B0E2-054A74E7EB25}">
+  <ds:schemaRefs>
+    <ds:schemaRef ds:uri="http://schemas.microsoft.com/sharepoint/v3/contenttype/forms"/>
+  </ds:schemaRefs>
+</ds:datastoreItem>
+</file>
+
+<file path=customXml/itemProps3.xml><?xml version="1.0" encoding="utf-8"?>
 <ds:datastoreItem xmlns:ds="http://schemas.openxmlformats.org/officeDocument/2006/customXml" ds:itemID="{12310AE4-98C2-4A3E-BE75-5A8AB8823A32}">
   <ds:schemaRefs>
     <ds:schemaRef ds:uri="2551ef7e-3b29-44d1-a8ad-ef34c26bfc60"/>
@@ -2677,29 +2696,10 @@
 </ds:datastoreItem>
 </file>
 
-<file path=customXml/itemProps3.xml><?xml version="1.0" encoding="utf-8"?>
-<ds:datastoreItem xmlns:ds="http://schemas.openxmlformats.org/officeDocument/2006/customXml" ds:itemID="{47870AFC-B140-4E73-B0E2-054A74E7EB25}">
+<file path=customXml/itemProps4.xml><?xml version="1.0" encoding="utf-8"?>
+<ds:datastoreItem xmlns:ds="http://schemas.openxmlformats.org/officeDocument/2006/customXml" ds:itemID="{34ACECAE-8DDC-4218-ADDE-80828E100BF5}">
   <ds:schemaRefs>
-    <ds:schemaRef ds:uri="http://schemas.microsoft.com/sharepoint/v3/contenttype/forms"/>
-  </ds:schemaRefs>
-</ds:datastoreItem>
-</file>
-
-<file path=customXml/itemProps4.xml><?xml version="1.0" encoding="utf-8"?>
-<ds:datastoreItem xmlns:ds="http://schemas.openxmlformats.org/officeDocument/2006/customXml" ds:itemID="{064F56C1-3E03-4158-81FF-45AFD11405FB}">
-  <ds:schemaRefs>
-    <ds:schemaRef ds:uri="http://schemas.microsoft.com/office/2006/metadata/contentType"/>
-    <ds:schemaRef ds:uri="http://schemas.microsoft.com/office/2006/metadata/properties/metaAttributes"/>
-    <ds:schemaRef ds:uri="http://www.w3.org/2001/XMLSchema"/>
-    <ds:schemaRef ds:uri="http://schemas.microsoft.com/office/2006/metadata/properties"/>
-    <ds:schemaRef ds:uri="63c724b1-652e-424f-8d99-4ee509067280"/>
-    <ds:schemaRef ds:uri="2551ef7e-3b29-44d1-a8ad-ef34c26bfc60"/>
-    <ds:schemaRef ds:uri="http://schemas.microsoft.com/office/2006/documentManagement/types"/>
-    <ds:schemaRef ds:uri="http://schemas.microsoft.com/office/infopath/2007/PartnerControls"/>
-    <ds:schemaRef ds:uri="http://schemas.openxmlformats.org/package/2006/metadata/core-properties"/>
-    <ds:schemaRef ds:uri="http://purl.org/dc/elements/1.1/"/>
-    <ds:schemaRef ds:uri="http://purl.org/dc/terms/"/>
-    <ds:schemaRef ds:uri="http://schemas.microsoft.com/internal/obd"/>
+    <ds:schemaRef ds:uri="http://schemas.microsoft.com/office/2006/metadata/longProperties"/>
   </ds:schemaRefs>
 </ds:datastoreItem>
 </file>